--- a/techreports/2012/12-11/axis.pptx
+++ b/techreports/2012/12-11/axis.pptx
@@ -288,7 +288,7 @@
           <a:p>
             <a:fld id="{F886753C-A2AB-2846-BD5E-B94275F698DA}" type="datetimeFigureOut">
               <a:rPr lang="en-US" smtClean="0"/>
-              <a:t>12/12/12</a:t>
+              <a:t>3/5/13</a:t>
             </a:fld>
             <a:endParaRPr lang="en-US"/>
           </a:p>
@@ -458,7 +458,7 @@
           <a:p>
             <a:fld id="{F886753C-A2AB-2846-BD5E-B94275F698DA}" type="datetimeFigureOut">
               <a:rPr lang="en-US" smtClean="0"/>
-              <a:t>12/12/12</a:t>
+              <a:t>3/5/13</a:t>
             </a:fld>
             <a:endParaRPr lang="en-US"/>
           </a:p>
@@ -638,7 +638,7 @@
           <a:p>
             <a:fld id="{F886753C-A2AB-2846-BD5E-B94275F698DA}" type="datetimeFigureOut">
               <a:rPr lang="en-US" smtClean="0"/>
-              <a:t>12/12/12</a:t>
+              <a:t>3/5/13</a:t>
             </a:fld>
             <a:endParaRPr lang="en-US"/>
           </a:p>
@@ -808,7 +808,7 @@
           <a:p>
             <a:fld id="{F886753C-A2AB-2846-BD5E-B94275F698DA}" type="datetimeFigureOut">
               <a:rPr lang="en-US" smtClean="0"/>
-              <a:t>12/12/12</a:t>
+              <a:t>3/5/13</a:t>
             </a:fld>
             <a:endParaRPr lang="en-US"/>
           </a:p>
@@ -1054,7 +1054,7 @@
           <a:p>
             <a:fld id="{F886753C-A2AB-2846-BD5E-B94275F698DA}" type="datetimeFigureOut">
               <a:rPr lang="en-US" smtClean="0"/>
-              <a:t>12/12/12</a:t>
+              <a:t>3/5/13</a:t>
             </a:fld>
             <a:endParaRPr lang="en-US"/>
           </a:p>
@@ -1342,7 +1342,7 @@
           <a:p>
             <a:fld id="{F886753C-A2AB-2846-BD5E-B94275F698DA}" type="datetimeFigureOut">
               <a:rPr lang="en-US" smtClean="0"/>
-              <a:t>12/12/12</a:t>
+              <a:t>3/5/13</a:t>
             </a:fld>
             <a:endParaRPr lang="en-US"/>
           </a:p>
@@ -1764,7 +1764,7 @@
           <a:p>
             <a:fld id="{F886753C-A2AB-2846-BD5E-B94275F698DA}" type="datetimeFigureOut">
               <a:rPr lang="en-US" smtClean="0"/>
-              <a:t>12/12/12</a:t>
+              <a:t>3/5/13</a:t>
             </a:fld>
             <a:endParaRPr lang="en-US"/>
           </a:p>
@@ -1882,7 +1882,7 @@
           <a:p>
             <a:fld id="{F886753C-A2AB-2846-BD5E-B94275F698DA}" type="datetimeFigureOut">
               <a:rPr lang="en-US" smtClean="0"/>
-              <a:t>12/12/12</a:t>
+              <a:t>3/5/13</a:t>
             </a:fld>
             <a:endParaRPr lang="en-US"/>
           </a:p>
@@ -1977,7 +1977,7 @@
           <a:p>
             <a:fld id="{F886753C-A2AB-2846-BD5E-B94275F698DA}" type="datetimeFigureOut">
               <a:rPr lang="en-US" smtClean="0"/>
-              <a:t>12/12/12</a:t>
+              <a:t>3/5/13</a:t>
             </a:fld>
             <a:endParaRPr lang="en-US"/>
           </a:p>
@@ -2254,7 +2254,7 @@
           <a:p>
             <a:fld id="{F886753C-A2AB-2846-BD5E-B94275F698DA}" type="datetimeFigureOut">
               <a:rPr lang="en-US" smtClean="0"/>
-              <a:t>12/12/12</a:t>
+              <a:t>3/5/13</a:t>
             </a:fld>
             <a:endParaRPr lang="en-US"/>
           </a:p>
@@ -2507,7 +2507,7 @@
           <a:p>
             <a:fld id="{F886753C-A2AB-2846-BD5E-B94275F698DA}" type="datetimeFigureOut">
               <a:rPr lang="en-US" smtClean="0"/>
-              <a:t>12/12/12</a:t>
+              <a:t>3/5/13</a:t>
             </a:fld>
             <a:endParaRPr lang="en-US"/>
           </a:p>
@@ -2720,7 +2720,7 @@
           <a:p>
             <a:fld id="{F886753C-A2AB-2846-BD5E-B94275F698DA}" type="datetimeFigureOut">
               <a:rPr lang="en-US" smtClean="0"/>
-              <a:t>12/12/12</a:t>
+              <a:t>3/5/13</a:t>
             </a:fld>
             <a:endParaRPr lang="en-US"/>
           </a:p>
@@ -3331,8 +3331,8 @@
         </p:nvSpPr>
         <p:spPr>
           <a:xfrm>
-            <a:off x="6770273" y="5945276"/>
-            <a:ext cx="1608133" cy="553998"/>
+            <a:off x="6598296" y="5945276"/>
+            <a:ext cx="1952089" cy="553998"/>
           </a:xfrm>
           <a:prstGeom prst="rect">
             <a:avLst/>
@@ -3350,8 +3350,17 @@
               <a:rPr lang="en-US" b="1" dirty="0" smtClean="0">
                 <a:latin typeface="Times New Roman"/>
               </a:rPr>
-              <a:t>PSP</a:t>
-            </a:r>
+              <a:t>PSP, Jasmin</a:t>
+            </a:r>
+            <a:r>
+              <a:rPr lang="en-US" b="1" dirty="0" smtClean="0">
+                <a:latin typeface="Times New Roman"/>
+              </a:rPr>
+              <a:t>e, etc.</a:t>
+            </a:r>
+            <a:endParaRPr lang="en-US" b="1" dirty="0" smtClean="0">
+              <a:latin typeface="Times New Roman"/>
+            </a:endParaRPr>
           </a:p>
           <a:p>
             <a:pPr algn="ctr"/>
@@ -3375,8 +3384,8 @@
         </p:nvSpPr>
         <p:spPr>
           <a:xfrm>
-            <a:off x="6775207" y="422307"/>
-            <a:ext cx="1391427" cy="553998"/>
+            <a:off x="6269311" y="422307"/>
+            <a:ext cx="2403222" cy="553998"/>
           </a:xfrm>
           <a:prstGeom prst="rect">
             <a:avLst/>
@@ -3396,6 +3405,18 @@
               </a:rPr>
               <a:t>Hackystat</a:t>
             </a:r>
+            <a:r>
+              <a:rPr lang="en-US" b="1" dirty="0" smtClean="0">
+                <a:latin typeface="Times New Roman"/>
+              </a:rPr>
+              <a:t>, PROM, </a:t>
+            </a:r>
+            <a:r>
+              <a:rPr lang="en-US" b="1" dirty="0" err="1" smtClean="0">
+                <a:latin typeface="Times New Roman"/>
+              </a:rPr>
+              <a:t>etc</a:t>
+            </a:r>
             <a:endParaRPr lang="en-US" b="1" dirty="0" smtClean="0">
               <a:latin typeface="Times New Roman"/>
             </a:endParaRPr>
@@ -3423,7 +3444,7 @@
         <p:spPr>
           <a:xfrm>
             <a:off x="871178" y="691754"/>
-            <a:ext cx="1150713" cy="369332"/>
+            <a:ext cx="1881983" cy="369332"/>
           </a:xfrm>
           <a:prstGeom prst="rect">
             <a:avLst/>
@@ -3441,6 +3462,18 @@
                 <a:latin typeface="Times New Roman"/>
               </a:rPr>
               <a:t>Sonar, </a:t>
+            </a:r>
+            <a:r>
+              <a:rPr lang="en-US" b="1" dirty="0" err="1" smtClean="0">
+                <a:latin typeface="Times New Roman"/>
+              </a:rPr>
+              <a:t>Ohloh</a:t>
+            </a:r>
+            <a:r>
+              <a:rPr lang="en-US" b="1" dirty="0" smtClean="0">
+                <a:latin typeface="Times New Roman"/>
+              </a:rPr>
+              <a:t>, </a:t>
             </a:r>
             <a:r>
               <a:rPr lang="en-US" b="1" dirty="0" err="1" smtClean="0">
